--- a/Android 大作业 Keynote.pptx
+++ b/Android 大作业 Keynote.pptx
@@ -108,6 +108,11 @@
       </a:defRPr>
     </a:lvl9pPr>
   </p:defaultTextStyle>
+  <p:extLst>
+    <p:ext uri="{EFAFB233-063F-42B5-8137-9DF3F51BA10A}">
+      <p15:sldGuideLst xmlns:p15="http://schemas.microsoft.com/office/powerpoint/2012/main"/>
+    </p:ext>
+  </p:extLst>
 </p:presentation>
 </file>
 
@@ -336,7 +341,7 @@
             <a:fld id="{5586B75A-687E-405C-8A0B-8D00578BA2C3}" type="datetimeFigureOut">
               <a:rPr lang="en-US" dirty="0"/>
               <a:pPr/>
-              <a:t>6/9/20</a:t>
+              <a:t>6/10/2020</a:t>
             </a:fld>
             <a:endParaRPr lang="en-US" dirty="0"/>
           </a:p>
@@ -503,7 +508,7 @@
             <a:fld id="{5586B75A-687E-405C-8A0B-8D00578BA2C3}" type="datetimeFigureOut">
               <a:rPr lang="en-US" dirty="0"/>
               <a:pPr/>
-              <a:t>6/9/20</a:t>
+              <a:t>6/10/2020</a:t>
             </a:fld>
             <a:endParaRPr lang="en-US" dirty="0"/>
           </a:p>
@@ -680,7 +685,7 @@
             <a:fld id="{5586B75A-687E-405C-8A0B-8D00578BA2C3}" type="datetimeFigureOut">
               <a:rPr lang="en-US" dirty="0"/>
               <a:pPr/>
-              <a:t>6/9/20</a:t>
+              <a:t>6/10/2020</a:t>
             </a:fld>
             <a:endParaRPr lang="en-US" dirty="0"/>
           </a:p>
@@ -847,7 +852,7 @@
             <a:fld id="{5586B75A-687E-405C-8A0B-8D00578BA2C3}" type="datetimeFigureOut">
               <a:rPr lang="en-US" dirty="0"/>
               <a:pPr/>
-              <a:t>6/9/20</a:t>
+              <a:t>6/10/2020</a:t>
             </a:fld>
             <a:endParaRPr lang="en-US" dirty="0"/>
           </a:p>
@@ -1102,7 +1107,7 @@
             <a:fld id="{5586B75A-687E-405C-8A0B-8D00578BA2C3}" type="datetimeFigureOut">
               <a:rPr lang="en-US" dirty="0"/>
               <a:pPr/>
-              <a:t>6/9/20</a:t>
+              <a:t>6/10/2020</a:t>
             </a:fld>
             <a:endParaRPr lang="en-US" dirty="0"/>
           </a:p>
@@ -1387,7 +1392,7 @@
             <a:fld id="{5586B75A-687E-405C-8A0B-8D00578BA2C3}" type="datetimeFigureOut">
               <a:rPr lang="en-US" dirty="0"/>
               <a:pPr/>
-              <a:t>6/9/20</a:t>
+              <a:t>6/10/2020</a:t>
             </a:fld>
             <a:endParaRPr lang="en-US" dirty="0"/>
           </a:p>
@@ -1826,7 +1831,7 @@
             <a:fld id="{5586B75A-687E-405C-8A0B-8D00578BA2C3}" type="datetimeFigureOut">
               <a:rPr lang="en-US" dirty="0"/>
               <a:pPr/>
-              <a:t>6/9/20</a:t>
+              <a:t>6/10/2020</a:t>
             </a:fld>
             <a:endParaRPr lang="en-US" dirty="0"/>
           </a:p>
@@ -1941,7 +1946,7 @@
             <a:fld id="{5586B75A-687E-405C-8A0B-8D00578BA2C3}" type="datetimeFigureOut">
               <a:rPr lang="en-US" dirty="0"/>
               <a:pPr/>
-              <a:t>6/9/20</a:t>
+              <a:t>6/10/2020</a:t>
             </a:fld>
             <a:endParaRPr lang="en-US" dirty="0"/>
           </a:p>
@@ -2033,7 +2038,7 @@
             <a:fld id="{5586B75A-687E-405C-8A0B-8D00578BA2C3}" type="datetimeFigureOut">
               <a:rPr lang="en-US" dirty="0"/>
               <a:pPr/>
-              <a:t>6/9/20</a:t>
+              <a:t>6/10/2020</a:t>
             </a:fld>
             <a:endParaRPr lang="en-US" dirty="0"/>
           </a:p>
@@ -2318,7 +2323,7 @@
             <a:fld id="{5586B75A-687E-405C-8A0B-8D00578BA2C3}" type="datetimeFigureOut">
               <a:rPr lang="en-US" dirty="0"/>
               <a:pPr/>
-              <a:t>6/9/20</a:t>
+              <a:t>6/10/2020</a:t>
             </a:fld>
             <a:endParaRPr lang="en-US" dirty="0"/>
           </a:p>
@@ -2588,7 +2593,7 @@
             <a:fld id="{5586B75A-687E-405C-8A0B-8D00578BA2C3}" type="datetimeFigureOut">
               <a:rPr lang="en-US" dirty="0"/>
               <a:pPr/>
-              <a:t>6/9/20</a:t>
+              <a:t>6/10/2020</a:t>
             </a:fld>
             <a:endParaRPr lang="en-US" dirty="0"/>
           </a:p>
@@ -2882,7 +2887,7 @@
             <a:fld id="{5586B75A-687E-405C-8A0B-8D00578BA2C3}" type="datetimeFigureOut">
               <a:rPr lang="en-US" dirty="0"/>
               <a:pPr/>
-              <a:t>6/9/20</a:t>
+              <a:t>6/10/2020</a:t>
             </a:fld>
             <a:endParaRPr lang="en-US" dirty="0"/>
           </a:p>
@@ -4294,7 +4299,7 @@
                 <a:latin typeface="Source Han Serif SC" panose="02020400000000000000" pitchFamily="18" charset="-128"/>
                 <a:ea typeface="Source Han Serif SC" panose="02020400000000000000" pitchFamily="18" charset="-128"/>
               </a:rPr>
-              <a:t>30</a:t>
+              <a:t>20</a:t>
             </a:r>
             <a:r>
               <a:rPr kumimoji="1" lang="zh-CN" altLang="en-US" dirty="0">
@@ -4412,10 +4417,10 @@
       </p:pic>
       <p:pic>
         <p:nvPicPr>
-          <p:cNvPr id="6" name="图片 5">
+          <p:cNvPr id="4" name="图片 3">
             <a:extLst>
               <a:ext uri="{FF2B5EF4-FFF2-40B4-BE49-F238E27FC236}">
-                <a16:creationId xmlns:a16="http://schemas.microsoft.com/office/drawing/2014/main" id="{FC2D93B6-BD7B-634D-A7B6-0C262E211249}"/>
+                <a16:creationId xmlns:a16="http://schemas.microsoft.com/office/drawing/2014/main" id="{29CB93DE-ADDD-4729-BABE-BB48C638042D}"/>
               </a:ext>
             </a:extLst>
           </p:cNvPr>
@@ -4432,8 +4437,8 @@
         </p:blipFill>
         <p:spPr>
           <a:xfrm>
-            <a:off x="3869268" y="4140959"/>
-            <a:ext cx="7315200" cy="1843789"/>
+            <a:off x="3981941" y="4248948"/>
+            <a:ext cx="3784646" cy="2225066"/>
           </a:xfrm>
           <a:prstGeom prst="rect">
             <a:avLst/>
